--- a/prezentace/02_workshop_v_R_prezentace.pptx
+++ b/prezentace/02_workshop_v_R_prezentace.pptx
@@ -12,7 +12,8 @@
     <p:sldId id="291" r:id="rId6"/>
     <p:sldId id="290" r:id="rId7"/>
     <p:sldId id="289" r:id="rId8"/>
-    <p:sldId id="265" r:id="rId9"/>
+    <p:sldId id="292" r:id="rId9"/>
+    <p:sldId id="265" r:id="rId10"/>
   </p:sldIdLst>
   <p:sldSz cx="12192000" cy="6858000"/>
   <p:notesSz cx="6858000" cy="9144000"/>
@@ -281,7 +282,7 @@
           <a:p>
             <a:fld id="{E6171E64-FE02-4DE5-B72F-53C3706641C3}" type="datetimeFigureOut">
               <a:rPr lang="en-US" smtClean="0"/>
-              <a:t>6/12/2024</a:t>
+              <a:t>6/25/2024</a:t>
             </a:fld>
             <a:endParaRPr lang="en-US"/>
           </a:p>
@@ -668,7 +669,7 @@
           <a:p>
             <a:fld id="{E6171E64-FE02-4DE5-B72F-53C3706641C3}" type="datetimeFigureOut">
               <a:rPr lang="en-US" smtClean="0"/>
-              <a:t>6/12/2024</a:t>
+              <a:t>6/25/2024</a:t>
             </a:fld>
             <a:endParaRPr lang="en-US"/>
           </a:p>
@@ -1061,7 +1062,7 @@
           <a:p>
             <a:fld id="{E6171E64-FE02-4DE5-B72F-53C3706641C3}" type="datetimeFigureOut">
               <a:rPr lang="en-US" smtClean="0"/>
-              <a:t>6/12/2024</a:t>
+              <a:t>6/25/2024</a:t>
             </a:fld>
             <a:endParaRPr lang="en-US"/>
           </a:p>
@@ -1476,7 +1477,7 @@
           <a:p>
             <a:fld id="{E6171E64-FE02-4DE5-B72F-53C3706641C3}" type="datetimeFigureOut">
               <a:rPr lang="en-US" smtClean="0"/>
-              <a:t>6/12/2024</a:t>
+              <a:t>6/25/2024</a:t>
             </a:fld>
             <a:endParaRPr lang="en-US"/>
           </a:p>
@@ -1818,7 +1819,7 @@
           <a:p>
             <a:fld id="{E6171E64-FE02-4DE5-B72F-53C3706641C3}" type="datetimeFigureOut">
               <a:rPr lang="en-US" smtClean="0"/>
-              <a:t>6/12/2024</a:t>
+              <a:t>6/25/2024</a:t>
             </a:fld>
             <a:endParaRPr lang="en-US"/>
           </a:p>
@@ -2142,7 +2143,7 @@
           <a:p>
             <a:fld id="{E6171E64-FE02-4DE5-B72F-53C3706641C3}" type="datetimeFigureOut">
               <a:rPr lang="en-US" smtClean="0"/>
-              <a:t>6/12/2024</a:t>
+              <a:t>6/25/2024</a:t>
             </a:fld>
             <a:endParaRPr lang="en-US"/>
           </a:p>
@@ -2623,7 +2624,7 @@
           <a:p>
             <a:fld id="{E6171E64-FE02-4DE5-B72F-53C3706641C3}" type="datetimeFigureOut">
               <a:rPr lang="en-US" smtClean="0"/>
-              <a:t>6/12/2024</a:t>
+              <a:t>6/25/2024</a:t>
             </a:fld>
             <a:endParaRPr lang="en-US"/>
           </a:p>
@@ -2785,7 +2786,7 @@
           <a:p>
             <a:fld id="{E6171E64-FE02-4DE5-B72F-53C3706641C3}" type="datetimeFigureOut">
               <a:rPr lang="en-US" smtClean="0"/>
-              <a:t>6/12/2024</a:t>
+              <a:t>6/25/2024</a:t>
             </a:fld>
             <a:endParaRPr lang="en-US"/>
           </a:p>
@@ -2898,7 +2899,7 @@
           <a:p>
             <a:fld id="{E6171E64-FE02-4DE5-B72F-53C3706641C3}" type="datetimeFigureOut">
               <a:rPr lang="en-US" smtClean="0"/>
-              <a:t>6/12/2024</a:t>
+              <a:t>6/25/2024</a:t>
             </a:fld>
             <a:endParaRPr lang="en-US"/>
           </a:p>
@@ -3220,7 +3221,7 @@
           <a:p>
             <a:fld id="{E6171E64-FE02-4DE5-B72F-53C3706641C3}" type="datetimeFigureOut">
               <a:rPr lang="en-US" smtClean="0"/>
-              <a:t>6/12/2024</a:t>
+              <a:t>6/25/2024</a:t>
             </a:fld>
             <a:endParaRPr lang="en-US"/>
           </a:p>
@@ -3522,7 +3523,7 @@
           <a:p>
             <a:fld id="{E6171E64-FE02-4DE5-B72F-53C3706641C3}" type="datetimeFigureOut">
               <a:rPr lang="en-US" smtClean="0"/>
-              <a:t>6/12/2024</a:t>
+              <a:t>6/25/2024</a:t>
             </a:fld>
             <a:endParaRPr lang="en-US"/>
           </a:p>
@@ -3763,7 +3764,7 @@
           <a:p>
             <a:fld id="{E6171E64-FE02-4DE5-B72F-53C3706641C3}" type="datetimeFigureOut">
               <a:rPr lang="en-US" smtClean="0"/>
-              <a:t>6/12/2024</a:t>
+              <a:t>6/25/2024</a:t>
             </a:fld>
             <a:endParaRPr lang="en-US"/>
           </a:p>
@@ -5878,6 +5879,131 @@
       </p:grpSpPr>
       <p:sp>
         <p:nvSpPr>
+          <p:cNvPr id="3" name="Zástupný obsah 2">
+            <a:extLst>
+              <a:ext uri="{FF2B5EF4-FFF2-40B4-BE49-F238E27FC236}">
+                <a16:creationId xmlns:a16="http://schemas.microsoft.com/office/drawing/2014/main" id="{0CBC6699-1D8B-3EE4-D8E3-376831589DBB}"/>
+              </a:ext>
+            </a:extLst>
+          </p:cNvPr>
+          <p:cNvSpPr>
+            <a:spLocks noGrp="1"/>
+          </p:cNvSpPr>
+          <p:nvPr>
+            <p:ph idx="1"/>
+          </p:nvPr>
+        </p:nvSpPr>
+        <p:spPr>
+          <a:xfrm>
+            <a:off x="808662" y="2019299"/>
+            <a:ext cx="10357666" cy="4473576"/>
+          </a:xfrm>
+        </p:spPr>
+        <p:txBody>
+          <a:bodyPr>
+            <a:normAutofit/>
+          </a:bodyPr>
+          <a:lstStyle/>
+          <a:p>
+            <a:endParaRPr lang="cs-CZ" dirty="0">
+              <a:hlinkClick r:id="rId2"/>
+            </a:endParaRPr>
+          </a:p>
+          <a:p>
+            <a:endParaRPr lang="cs-CZ" dirty="0">
+              <a:hlinkClick r:id="rId2"/>
+            </a:endParaRPr>
+          </a:p>
+          <a:p>
+            <a:endParaRPr lang="cs-CZ" dirty="0">
+              <a:hlinkClick r:id="rId2"/>
+            </a:endParaRPr>
+          </a:p>
+          <a:p>
+            <a:endParaRPr lang="cs-CZ" dirty="0">
+              <a:hlinkClick r:id="rId2"/>
+            </a:endParaRPr>
+          </a:p>
+          <a:p>
+            <a:endParaRPr lang="cs-CZ" dirty="0">
+              <a:hlinkClick r:id="rId2"/>
+            </a:endParaRPr>
+          </a:p>
+          <a:p>
+            <a:endParaRPr lang="cs-CZ" dirty="0">
+              <a:hlinkClick r:id="rId2"/>
+            </a:endParaRPr>
+          </a:p>
+        </p:txBody>
+      </p:sp>
+      <p:pic>
+        <p:nvPicPr>
+          <p:cNvPr id="9" name="Obrázek 8" descr="Obsah obrázku text, snímek obrazovky, Písmo, číslo&#10;&#10;Popis byl vytvořen automaticky">
+            <a:extLst>
+              <a:ext uri="{FF2B5EF4-FFF2-40B4-BE49-F238E27FC236}">
+                <a16:creationId xmlns:a16="http://schemas.microsoft.com/office/drawing/2014/main" id="{0DAAD7BC-EF58-AEA3-B970-AB9EC1E10E86}"/>
+              </a:ext>
+            </a:extLst>
+          </p:cNvPr>
+          <p:cNvPicPr>
+            <a:picLocks noChangeAspect="1"/>
+          </p:cNvPicPr>
+          <p:nvPr/>
+        </p:nvPicPr>
+        <p:blipFill>
+          <a:blip r:embed="rId3">
+            <a:extLst>
+              <a:ext uri="{28A0092B-C50C-407E-A947-70E740481C1C}">
+                <a14:useLocalDpi xmlns:a14="http://schemas.microsoft.com/office/drawing/2010/main" val="0"/>
+              </a:ext>
+            </a:extLst>
+          </a:blip>
+          <a:stretch>
+            <a:fillRect/>
+          </a:stretch>
+        </p:blipFill>
+        <p:spPr>
+          <a:xfrm>
+            <a:off x="3131999" y="116438"/>
+            <a:ext cx="5212496" cy="6303216"/>
+          </a:xfrm>
+          <a:prstGeom prst="rect">
+            <a:avLst/>
+          </a:prstGeom>
+        </p:spPr>
+      </p:pic>
+    </p:spTree>
+    <p:extLst>
+      <p:ext uri="{BB962C8B-B14F-4D97-AF65-F5344CB8AC3E}">
+        <p14:creationId xmlns:p14="http://schemas.microsoft.com/office/powerpoint/2010/main" val="3953916902"/>
+      </p:ext>
+    </p:extLst>
+  </p:cSld>
+  <p:clrMapOvr>
+    <a:masterClrMapping/>
+  </p:clrMapOvr>
+</p:sld>
+</file>
+
+<file path=ppt/slides/slide9.xml><?xml version="1.0" encoding="utf-8"?>
+<p:sld xmlns:a="http://schemas.openxmlformats.org/drawingml/2006/main" xmlns:r="http://schemas.openxmlformats.org/officeDocument/2006/relationships" xmlns:p="http://schemas.openxmlformats.org/presentationml/2006/main">
+  <p:cSld>
+    <p:spTree>
+      <p:nvGrpSpPr>
+        <p:cNvPr id="1" name=""/>
+        <p:cNvGrpSpPr/>
+        <p:nvPr/>
+      </p:nvGrpSpPr>
+      <p:grpSpPr>
+        <a:xfrm>
+          <a:off x="0" y="0"/>
+          <a:ext cx="0" cy="0"/>
+          <a:chOff x="0" y="0"/>
+          <a:chExt cx="0" cy="0"/>
+        </a:xfrm>
+      </p:grpSpPr>
+      <p:sp>
+        <p:nvSpPr>
           <p:cNvPr id="2" name="Nadpis 1">
             <a:extLst>
               <a:ext uri="{FF2B5EF4-FFF2-40B4-BE49-F238E27FC236}">
